--- a/PowerPoints/Apresentacao-Checkpoint1.pptx
+++ b/PowerPoints/Apresentacao-Checkpoint1.pptx
@@ -20086,41 +20086,48 @@
         <p:spPr/>
         <p:txBody>
           <a:bodyPr>
-            <a:normAutofit/>
+            <a:normAutofit fontScale="92500" lnSpcReduction="20000"/>
           </a:bodyPr>
           <a:lstStyle/>
           <a:p>
             <a:pPr algn="just"/>
             <a:r>
-              <a:rPr lang="pt-PT" dirty="0"/>
+              <a:rPr lang="pt-PT" sz="2200" dirty="0"/>
+              <a:t>De acordo com os recursos a utilizar, a equipa de desenvolvimento acredita que o projeto estará concluído dentro dos prazos, pelo que o seu desenvolvimento será viável.</a:t>
+            </a:r>
+          </a:p>
+          <a:p>
+            <a:pPr algn="just"/>
+            <a:r>
+              <a:rPr lang="pt-PT" sz="2200" dirty="0"/>
               <a:t>Com este novo modelo de negócios, os municípios conseguirão:</a:t>
             </a:r>
           </a:p>
           <a:p>
             <a:pPr marL="571500" lvl="1" indent="-342900" algn="just"/>
             <a:r>
-              <a:rPr lang="pt-PT" dirty="0"/>
+              <a:rPr lang="pt-PT" sz="1900" dirty="0"/>
               <a:t>Recuperar, na época de pico de afluência, cerca de 10% do prejuízo de vendas do ano anterior em que a feira se realizou com limitações em parte do ano devido à situação pandémica;</a:t>
             </a:r>
           </a:p>
           <a:p>
             <a:pPr marL="571500" lvl="1" indent="-342900" algn="just"/>
             <a:r>
-              <a:rPr lang="pt-PT" dirty="0"/>
+              <a:rPr lang="pt-PT" sz="1900" dirty="0"/>
               <a:t>Saber o relatório de contas de cada dia de feira para definir estratégias de vendas que garantem maior retorno financeiro;</a:t>
             </a:r>
           </a:p>
           <a:p>
             <a:pPr marL="571500" lvl="1" indent="-342900" algn="just"/>
             <a:r>
-              <a:rPr lang="pt-PT" dirty="0"/>
+              <a:rPr lang="pt-PT" sz="1900" dirty="0"/>
               <a:t>Organizar os temas das suas feiras em função da época do ano para aumentar o número de participantes;</a:t>
             </a:r>
           </a:p>
           <a:p>
             <a:pPr marL="571500" lvl="1" indent="-342900" algn="just"/>
             <a:r>
-              <a:rPr lang="pt-PT" dirty="0"/>
+              <a:rPr lang="pt-PT" sz="1900" dirty="0"/>
               <a:t>Na eventualidade de uma nova situação pandémica usar apenas esta aplicação como meio de negociação.</a:t>
             </a:r>
           </a:p>
@@ -20396,15 +20403,33 @@
                                   </p:childTnLst>
                                 </p:cTn>
                               </p:par>
+                            </p:childTnLst>
+                          </p:cTn>
+                        </p:par>
+                      </p:childTnLst>
+                    </p:cTn>
+                  </p:par>
+                  <p:par>
+                    <p:cTn id="18" fill="hold">
+                      <p:stCondLst>
+                        <p:cond delay="indefinite"/>
+                      </p:stCondLst>
+                      <p:childTnLst>
+                        <p:par>
+                          <p:cTn id="19" fill="hold">
+                            <p:stCondLst>
+                              <p:cond delay="0"/>
+                            </p:stCondLst>
+                            <p:childTnLst>
                               <p:par>
-                                <p:cTn id="18" presetID="22" presetClass="entr" presetSubtype="1" fill="hold" grpId="0" nodeType="withEffect">
+                                <p:cTn id="20" presetID="22" presetClass="entr" presetSubtype="1" fill="hold" grpId="0" nodeType="clickEffect">
                                   <p:stCondLst>
                                     <p:cond delay="0"/>
                                   </p:stCondLst>
                                   <p:childTnLst>
                                     <p:set>
                                       <p:cBhvr>
-                                        <p:cTn id="19" dur="1" fill="hold">
+                                        <p:cTn id="21" dur="1" fill="hold">
                                           <p:stCondLst>
                                             <p:cond delay="0"/>
                                           </p:stCondLst>
@@ -20426,7 +20451,7 @@
                                     </p:set>
                                     <p:animEffect transition="in" filter="wipe(up)">
                                       <p:cBhvr>
-                                        <p:cTn id="20" dur="500"/>
+                                        <p:cTn id="22" dur="500"/>
                                         <p:tgtEl>
                                           <p:spTgt spid="3">
                                             <p:txEl>
@@ -20439,26 +20464,8 @@
                                   </p:childTnLst>
                                 </p:cTn>
                               </p:par>
-                            </p:childTnLst>
-                          </p:cTn>
-                        </p:par>
-                      </p:childTnLst>
-                    </p:cTn>
-                  </p:par>
-                  <p:par>
-                    <p:cTn id="21" fill="hold">
-                      <p:stCondLst>
-                        <p:cond delay="indefinite"/>
-                      </p:stCondLst>
-                      <p:childTnLst>
-                        <p:par>
-                          <p:cTn id="22" fill="hold">
-                            <p:stCondLst>
-                              <p:cond delay="0"/>
-                            </p:stCondLst>
-                            <p:childTnLst>
                               <p:par>
-                                <p:cTn id="23" presetID="22" presetClass="entr" presetSubtype="1" fill="hold" grpId="0" nodeType="clickEffect">
+                                <p:cTn id="23" presetID="22" presetClass="entr" presetSubtype="1" fill="hold" grpId="0" nodeType="withEffect">
                                   <p:stCondLst>
                                     <p:cond delay="0"/>
                                   </p:stCondLst>
@@ -20492,6 +20499,67 @@
                                           <p:spTgt spid="3">
                                             <p:txEl>
                                               <p:pRg st="4" end="4"/>
+                                            </p:txEl>
+                                          </p:spTgt>
+                                        </p:tgtEl>
+                                      </p:cBhvr>
+                                    </p:animEffect>
+                                  </p:childTnLst>
+                                </p:cTn>
+                              </p:par>
+                            </p:childTnLst>
+                          </p:cTn>
+                        </p:par>
+                      </p:childTnLst>
+                    </p:cTn>
+                  </p:par>
+                  <p:par>
+                    <p:cTn id="26" fill="hold">
+                      <p:stCondLst>
+                        <p:cond delay="indefinite"/>
+                      </p:stCondLst>
+                      <p:childTnLst>
+                        <p:par>
+                          <p:cTn id="27" fill="hold">
+                            <p:stCondLst>
+                              <p:cond delay="0"/>
+                            </p:stCondLst>
+                            <p:childTnLst>
+                              <p:par>
+                                <p:cTn id="28" presetID="22" presetClass="entr" presetSubtype="1" fill="hold" grpId="0" nodeType="clickEffect">
+                                  <p:stCondLst>
+                                    <p:cond delay="0"/>
+                                  </p:stCondLst>
+                                  <p:childTnLst>
+                                    <p:set>
+                                      <p:cBhvr>
+                                        <p:cTn id="29" dur="1" fill="hold">
+                                          <p:stCondLst>
+                                            <p:cond delay="0"/>
+                                          </p:stCondLst>
+                                        </p:cTn>
+                                        <p:tgtEl>
+                                          <p:spTgt spid="3">
+                                            <p:txEl>
+                                              <p:pRg st="5" end="5"/>
+                                            </p:txEl>
+                                          </p:spTgt>
+                                        </p:tgtEl>
+                                        <p:attrNameLst>
+                                          <p:attrName>style.visibility</p:attrName>
+                                        </p:attrNameLst>
+                                      </p:cBhvr>
+                                      <p:to>
+                                        <p:strVal val="visible"/>
+                                      </p:to>
+                                    </p:set>
+                                    <p:animEffect transition="in" filter="wipe(up)">
+                                      <p:cBhvr>
+                                        <p:cTn id="30" dur="500"/>
+                                        <p:tgtEl>
+                                          <p:spTgt spid="3">
+                                            <p:txEl>
+                                              <p:pRg st="5" end="5"/>
                                             </p:txEl>
                                           </p:spTgt>
                                         </p:tgtEl>
@@ -20619,32 +20687,38 @@
                 <a:effectLst/>
                 <a:latin typeface="Arial" panose="020B0604020202020204" pitchFamily="34" charset="0"/>
               </a:rPr>
-              <a:t>Clientes, Vendedores, Analista de Testes, Administrador de Base de Dados, </a:t>
+              <a:t>Clientes, vendedores, analista de testes, administrador de base de dados, </a:t>
+            </a:r>
+            <a:r>
+              <a:rPr lang="pt-PT" i="1" dirty="0">
+                <a:latin typeface="Arial" panose="020B0604020202020204" pitchFamily="34" charset="0"/>
+              </a:rPr>
+              <a:t>t</a:t>
             </a:r>
             <a:r>
               <a:rPr lang="pt-PT" i="1" dirty="0">
                 <a:effectLst/>
                 <a:latin typeface="Arial" panose="020B0604020202020204" pitchFamily="34" charset="0"/>
               </a:rPr>
-              <a:t>Team Leader</a:t>
+              <a:t>eam leader </a:t>
             </a:r>
             <a:r>
               <a:rPr lang="pt-PT" dirty="0">
                 <a:latin typeface="Arial" panose="020B0604020202020204" pitchFamily="34" charset="0"/>
               </a:rPr>
-              <a:t>, Engenheiro de </a:t>
+              <a:t>/ engenheiro de </a:t>
             </a:r>
             <a:r>
               <a:rPr lang="pt-PT" i="1" dirty="0">
                 <a:latin typeface="Arial" panose="020B0604020202020204" pitchFamily="34" charset="0"/>
               </a:rPr>
-              <a:t>Software</a:t>
+              <a:t>software</a:t>
             </a:r>
             <a:r>
               <a:rPr lang="pt-PT" dirty="0">
                 <a:latin typeface="Arial" panose="020B0604020202020204" pitchFamily="34" charset="0"/>
               </a:rPr>
-              <a:t> e Programadores.</a:t>
+              <a:t> e dois programadores.</a:t>
             </a:r>
             <a:endParaRPr lang="pt-PT" dirty="0"/>
           </a:p>
